--- a/ITI/TF/Volume1/media/Figure_16.1-1.pptx
+++ b/ITI/TF/Volume1/media/Figure_16.1-1.pptx
@@ -104,6 +104,11 @@
       </a:defRPr>
     </a:lvl9pPr>
   </p:defaultTextStyle>
+  <p:extLst>
+    <p:ext uri="{EFAFB233-063F-42B5-8137-9DF3F51BA10A}">
+      <p15:sldGuideLst xmlns:p15="http://schemas.microsoft.com/office/powerpoint/2012/main"/>
+    </p:ext>
+  </p:extLst>
 </p:presentation>
 </file>
 
@@ -254,7 +259,7 @@
           <a:p>
             <a:fld id="{4D90F88B-3FEB-A740-90AF-F3316D2FEF11}" type="datetimeFigureOut">
               <a:rPr lang="en-US" smtClean="0"/>
-              <a:t>8/10/20</a:t>
+              <a:t>8/26/20</a:t>
             </a:fld>
             <a:endParaRPr lang="en-US"/>
           </a:p>
@@ -452,7 +457,7 @@
           <a:p>
             <a:fld id="{4D90F88B-3FEB-A740-90AF-F3316D2FEF11}" type="datetimeFigureOut">
               <a:rPr lang="en-US" smtClean="0"/>
-              <a:t>8/10/20</a:t>
+              <a:t>8/26/20</a:t>
             </a:fld>
             <a:endParaRPr lang="en-US"/>
           </a:p>
@@ -660,7 +665,7 @@
           <a:p>
             <a:fld id="{4D90F88B-3FEB-A740-90AF-F3316D2FEF11}" type="datetimeFigureOut">
               <a:rPr lang="en-US" smtClean="0"/>
-              <a:t>8/10/20</a:t>
+              <a:t>8/26/20</a:t>
             </a:fld>
             <a:endParaRPr lang="en-US"/>
           </a:p>
@@ -858,7 +863,7 @@
           <a:p>
             <a:fld id="{4D90F88B-3FEB-A740-90AF-F3316D2FEF11}" type="datetimeFigureOut">
               <a:rPr lang="en-US" smtClean="0"/>
-              <a:t>8/10/20</a:t>
+              <a:t>8/26/20</a:t>
             </a:fld>
             <a:endParaRPr lang="en-US"/>
           </a:p>
@@ -1133,7 +1138,7 @@
           <a:p>
             <a:fld id="{4D90F88B-3FEB-A740-90AF-F3316D2FEF11}" type="datetimeFigureOut">
               <a:rPr lang="en-US" smtClean="0"/>
-              <a:t>8/10/20</a:t>
+              <a:t>8/26/20</a:t>
             </a:fld>
             <a:endParaRPr lang="en-US"/>
           </a:p>
@@ -1398,7 +1403,7 @@
           <a:p>
             <a:fld id="{4D90F88B-3FEB-A740-90AF-F3316D2FEF11}" type="datetimeFigureOut">
               <a:rPr lang="en-US" smtClean="0"/>
-              <a:t>8/10/20</a:t>
+              <a:t>8/26/20</a:t>
             </a:fld>
             <a:endParaRPr lang="en-US"/>
           </a:p>
@@ -1810,7 +1815,7 @@
           <a:p>
             <a:fld id="{4D90F88B-3FEB-A740-90AF-F3316D2FEF11}" type="datetimeFigureOut">
               <a:rPr lang="en-US" smtClean="0"/>
-              <a:t>8/10/20</a:t>
+              <a:t>8/26/20</a:t>
             </a:fld>
             <a:endParaRPr lang="en-US"/>
           </a:p>
@@ -1951,7 +1956,7 @@
           <a:p>
             <a:fld id="{4D90F88B-3FEB-A740-90AF-F3316D2FEF11}" type="datetimeFigureOut">
               <a:rPr lang="en-US" smtClean="0"/>
-              <a:t>8/10/20</a:t>
+              <a:t>8/26/20</a:t>
             </a:fld>
             <a:endParaRPr lang="en-US"/>
           </a:p>
@@ -2064,7 +2069,7 @@
           <a:p>
             <a:fld id="{4D90F88B-3FEB-A740-90AF-F3316D2FEF11}" type="datetimeFigureOut">
               <a:rPr lang="en-US" smtClean="0"/>
-              <a:t>8/10/20</a:t>
+              <a:t>8/26/20</a:t>
             </a:fld>
             <a:endParaRPr lang="en-US"/>
           </a:p>
@@ -2375,7 +2380,7 @@
           <a:p>
             <a:fld id="{4D90F88B-3FEB-A740-90AF-F3316D2FEF11}" type="datetimeFigureOut">
               <a:rPr lang="en-US" smtClean="0"/>
-              <a:t>8/10/20</a:t>
+              <a:t>8/26/20</a:t>
             </a:fld>
             <a:endParaRPr lang="en-US"/>
           </a:p>
@@ -2663,7 +2668,7 @@
           <a:p>
             <a:fld id="{4D90F88B-3FEB-A740-90AF-F3316D2FEF11}" type="datetimeFigureOut">
               <a:rPr lang="en-US" smtClean="0"/>
-              <a:t>8/10/20</a:t>
+              <a:t>8/26/20</a:t>
             </a:fld>
             <a:endParaRPr lang="en-US"/>
           </a:p>
@@ -2904,7 +2909,7 @@
           <a:p>
             <a:fld id="{4D90F88B-3FEB-A740-90AF-F3316D2FEF11}" type="datetimeFigureOut">
               <a:rPr lang="en-US" smtClean="0"/>
-              <a:t>8/10/20</a:t>
+              <a:t>8/26/20</a:t>
             </a:fld>
             <a:endParaRPr lang="en-US"/>
           </a:p>
@@ -3323,59 +3328,6 @@
       </p:grpSpPr>
       <p:sp>
         <p:nvSpPr>
-          <p:cNvPr id="4" name="Rectangle 5">
-            <a:extLst>
-              <a:ext uri="{FF2B5EF4-FFF2-40B4-BE49-F238E27FC236}">
-                <a16:creationId xmlns:a16="http://schemas.microsoft.com/office/drawing/2014/main" id="{F1524171-9275-6B43-92D2-15A99B82BF16}"/>
-              </a:ext>
-            </a:extLst>
-          </p:cNvPr>
-          <p:cNvSpPr>
-            <a:spLocks noChangeArrowheads="1"/>
-          </p:cNvSpPr>
-          <p:nvPr/>
-        </p:nvSpPr>
-        <p:spPr bwMode="auto">
-          <a:xfrm>
-            <a:off x="23813" y="474663"/>
-            <a:ext cx="5930900" cy="712787"/>
-          </a:xfrm>
-          <a:prstGeom prst="rect">
-            <a:avLst/>
-          </a:prstGeom>
-          <a:noFill/>
-          <a:ln w="38100">
-            <a:solidFill>
-              <a:srgbClr val="000000"/>
-            </a:solidFill>
-            <a:miter lim="800000"/>
-            <a:headEnd/>
-            <a:tailEnd/>
-          </a:ln>
-          <a:extLst>
-            <a:ext uri="{909E8E84-426E-40DD-AFC4-6F175D3DCCD1}">
-              <a14:hiddenFill xmlns:a14="http://schemas.microsoft.com/office/drawing/2010/main">
-                <a:solidFill>
-                  <a:srgbClr val="FFFFFF"/>
-                </a:solidFill>
-              </a14:hiddenFill>
-            </a:ext>
-          </a:extLst>
-        </p:spPr>
-        <p:txBody>
-          <a:bodyPr vert="horz" wrap="square" lIns="91440" tIns="45720" rIns="91440" bIns="45720" numCol="1" anchor="t" anchorCtr="0" compatLnSpc="1">
-            <a:prstTxWarp prst="textNoShape">
-              <a:avLst/>
-            </a:prstTxWarp>
-          </a:bodyPr>
-          <a:lstStyle/>
-          <a:p>
-            <a:endParaRPr lang="en-US"/>
-          </a:p>
-        </p:txBody>
-      </p:sp>
-      <p:sp>
-        <p:nvSpPr>
           <p:cNvPr id="5" name="Text Box 4">
             <a:extLst>
               <a:ext uri="{FF2B5EF4-FFF2-40B4-BE49-F238E27FC236}">
@@ -3441,8 +3393,9 @@
                   <a:schemeClr val="tx1"/>
                 </a:solidFill>
                 <a:effectLst/>
-                <a:latin typeface="Arial" panose="020B0604020202020204" pitchFamily="34" charset="0"/>
+                <a:latin typeface="Times New Roman" panose="02020603050405020304" pitchFamily="18" charset="0"/>
                 <a:ea typeface="Times New Roman" panose="02020603050405020304" pitchFamily="18" charset="0"/>
+                <a:cs typeface="Times New Roman" panose="02020603050405020304" pitchFamily="18" charset="0"/>
               </a:rPr>
               <a:t>Portable Media Importer</a:t>
             </a:r>
@@ -3454,7 +3407,8 @@
                 <a:schemeClr val="tx1"/>
               </a:solidFill>
               <a:effectLst/>
-              <a:latin typeface="Arial" panose="020B0604020202020204" pitchFamily="34" charset="0"/>
+              <a:latin typeface="Times New Roman" panose="02020603050405020304" pitchFamily="18" charset="0"/>
+              <a:cs typeface="Times New Roman" panose="02020603050405020304" pitchFamily="18" charset="0"/>
             </a:endParaRPr>
           </a:p>
         </p:txBody>
@@ -3526,8 +3480,9 @@
                   <a:schemeClr val="tx1"/>
                 </a:solidFill>
                 <a:effectLst/>
-                <a:latin typeface="Arial" panose="020B0604020202020204" pitchFamily="34" charset="0"/>
+                <a:latin typeface="Times New Roman" panose="02020603050405020304" pitchFamily="18" charset="0"/>
                 <a:ea typeface="Times New Roman" panose="02020603050405020304" pitchFamily="18" charset="0"/>
+                <a:cs typeface="Times New Roman" panose="02020603050405020304" pitchFamily="18" charset="0"/>
               </a:rPr>
               <a:t>Portable Media Creator</a:t>
             </a:r>
@@ -3539,7 +3494,8 @@
                 <a:schemeClr val="tx1"/>
               </a:solidFill>
               <a:effectLst/>
-              <a:latin typeface="Arial" panose="020B0604020202020204" pitchFamily="34" charset="0"/>
+              <a:latin typeface="Times New Roman" panose="02020603050405020304" pitchFamily="18" charset="0"/>
+              <a:cs typeface="Times New Roman" panose="02020603050405020304" pitchFamily="18" charset="0"/>
             </a:endParaRPr>
           </a:p>
         </p:txBody>
@@ -3623,8 +3579,9 @@
                   <a:schemeClr val="tx1"/>
                 </a:solidFill>
                 <a:effectLst/>
-                <a:latin typeface="Arial" panose="020B0604020202020204" pitchFamily="34" charset="0"/>
+                <a:latin typeface="Times New Roman" panose="02020603050405020304" pitchFamily="18" charset="0"/>
                 <a:ea typeface="Times New Roman" panose="02020603050405020304" pitchFamily="18" charset="0"/>
+                <a:cs typeface="Times New Roman" panose="02020603050405020304" pitchFamily="18" charset="0"/>
               </a:rPr>
               <a:t>Distribute Document Set on Media [ITI-32] </a:t>
             </a:r>
@@ -3639,6 +3596,7 @@
                 <a:effectLst/>
                 <a:latin typeface="Times New Roman" panose="02020603050405020304" pitchFamily="18" charset="0"/>
                 <a:ea typeface="Times New Roman" panose="02020603050405020304" pitchFamily="18" charset="0"/>
+                <a:cs typeface="Times New Roman" panose="02020603050405020304" pitchFamily="18" charset="0"/>
                 <a:sym typeface="Symbol" pitchFamily="2" charset="2"/>
               </a:rPr>
               <a:t></a:t>
